--- a/Unit 5/unit 5.pptx
+++ b/Unit 5/unit 5.pptx
@@ -8,11 +8,11 @@
     <p:notesMasterId r:id="rId60"/>
   </p:notesMasterIdLst>
   <p:sldIdLst>
-    <p:sldId id="276" r:id="rId2"/>
-    <p:sldId id="277" r:id="rId3"/>
-    <p:sldId id="278" r:id="rId4"/>
-    <p:sldId id="279" r:id="rId5"/>
-    <p:sldId id="258" r:id="rId6"/>
+    <p:sldId id="258" r:id="rId2"/>
+    <p:sldId id="276" r:id="rId3"/>
+    <p:sldId id="277" r:id="rId4"/>
+    <p:sldId id="278" r:id="rId5"/>
+    <p:sldId id="279" r:id="rId6"/>
     <p:sldId id="259" r:id="rId7"/>
     <p:sldId id="260" r:id="rId8"/>
     <p:sldId id="256" r:id="rId9"/>
@@ -265,7 +265,7 @@
           <a:p>
             <a:fld id="{FBDB7755-8F59-9143-BEAB-F534DA5485E7}" type="datetimeFigureOut">
               <a:rPr lang="en-US" smtClean="0"/>
-              <a:t>1/23/16</a:t>
+              <a:t>2/29/16</a:t>
             </a:fld>
             <a:endParaRPr lang="en-US"/>
           </a:p>
@@ -798,7 +798,7 @@
           <a:p>
             <a:fld id="{20F2A103-F667-E84A-AEB6-CBA7E973B9F5}" type="datetime1">
               <a:rPr lang="en-US" smtClean="0"/>
-              <a:t>1/23/16</a:t>
+              <a:t>2/29/16</a:t>
             </a:fld>
             <a:endParaRPr lang="en-US"/>
           </a:p>
@@ -968,7 +968,7 @@
           <a:p>
             <a:fld id="{803B66F8-3D8A-6C45-A6F7-E9E39D4D8AE6}" type="datetime1">
               <a:rPr lang="en-US" smtClean="0"/>
-              <a:t>1/23/16</a:t>
+              <a:t>2/29/16</a:t>
             </a:fld>
             <a:endParaRPr lang="en-US"/>
           </a:p>
@@ -1148,7 +1148,7 @@
           <a:p>
             <a:fld id="{FD1127B1-E3EE-4940-8226-4C24BA0A02CE}" type="datetime1">
               <a:rPr lang="en-US" smtClean="0"/>
-              <a:t>1/23/16</a:t>
+              <a:t>2/29/16</a:t>
             </a:fld>
             <a:endParaRPr lang="en-US"/>
           </a:p>
@@ -1318,7 +1318,7 @@
           <a:p>
             <a:fld id="{DB9F4A2A-D361-1B4B-B030-7C7293D3A185}" type="datetime1">
               <a:rPr lang="en-US" smtClean="0"/>
-              <a:t>1/23/16</a:t>
+              <a:t>2/29/16</a:t>
             </a:fld>
             <a:endParaRPr lang="en-US"/>
           </a:p>
@@ -1564,7 +1564,7 @@
           <a:p>
             <a:fld id="{7B49C4EB-AC5E-9B43-9F88-29576F43CD8C}" type="datetime1">
               <a:rPr lang="en-US" smtClean="0"/>
-              <a:t>1/23/16</a:t>
+              <a:t>2/29/16</a:t>
             </a:fld>
             <a:endParaRPr lang="en-US"/>
           </a:p>
@@ -1852,7 +1852,7 @@
           <a:p>
             <a:fld id="{0A9E5397-0227-1347-9152-E46FF42BF60F}" type="datetime1">
               <a:rPr lang="en-US" smtClean="0"/>
-              <a:t>1/23/16</a:t>
+              <a:t>2/29/16</a:t>
             </a:fld>
             <a:endParaRPr lang="en-US"/>
           </a:p>
@@ -2274,7 +2274,7 @@
           <a:p>
             <a:fld id="{91047991-ED02-CC49-A9FB-FDD755F4200F}" type="datetime1">
               <a:rPr lang="en-US" smtClean="0"/>
-              <a:t>1/23/16</a:t>
+              <a:t>2/29/16</a:t>
             </a:fld>
             <a:endParaRPr lang="en-US"/>
           </a:p>
@@ -2392,7 +2392,7 @@
           <a:p>
             <a:fld id="{239391FD-5B0F-0E4C-92F6-32885765AC0E}" type="datetime1">
               <a:rPr lang="en-US" smtClean="0"/>
-              <a:t>1/23/16</a:t>
+              <a:t>2/29/16</a:t>
             </a:fld>
             <a:endParaRPr lang="en-US"/>
           </a:p>
@@ -2487,7 +2487,7 @@
           <a:p>
             <a:fld id="{23D1E5E7-05C7-0647-AD62-5EB9B9B8D2C1}" type="datetime1">
               <a:rPr lang="en-US" smtClean="0"/>
-              <a:t>1/23/16</a:t>
+              <a:t>2/29/16</a:t>
             </a:fld>
             <a:endParaRPr lang="en-US"/>
           </a:p>
@@ -2764,7 +2764,7 @@
           <a:p>
             <a:fld id="{AE39ECAB-4E64-454C-A02B-B7BBB97523EF}" type="datetime1">
               <a:rPr lang="en-US" smtClean="0"/>
-              <a:t>1/23/16</a:t>
+              <a:t>2/29/16</a:t>
             </a:fld>
             <a:endParaRPr lang="en-US"/>
           </a:p>
@@ -3017,7 +3017,7 @@
           <a:p>
             <a:fld id="{055A7A71-0E87-F243-ABD1-DFF137A68F65}" type="datetime1">
               <a:rPr lang="en-US" smtClean="0"/>
-              <a:t>1/23/16</a:t>
+              <a:t>2/29/16</a:t>
             </a:fld>
             <a:endParaRPr lang="en-US"/>
           </a:p>
@@ -3230,7 +3230,7 @@
           <a:p>
             <a:fld id="{AB400221-314A-3B48-A2BC-23519E53D025}" type="datetime1">
               <a:rPr lang="en-US" smtClean="0"/>
-              <a:t>1/23/16</a:t>
+              <a:t>2/29/16</a:t>
             </a:fld>
             <a:endParaRPr lang="en-US"/>
           </a:p>
@@ -3618,27 +3618,21 @@
         </p:nvSpPr>
         <p:spPr>
           <a:xfrm>
-            <a:off x="457200" y="0"/>
-            <a:ext cx="8229600" cy="258762"/>
+            <a:off x="304800" y="1904999"/>
+            <a:ext cx="8229600" cy="1142999"/>
           </a:xfrm>
         </p:spPr>
         <p:txBody>
           <a:bodyPr>
-            <a:normAutofit fontScale="90000"/>
+            <a:normAutofit/>
           </a:bodyPr>
           <a:lstStyle/>
           <a:p>
             <a:r>
-              <a:rPr lang="en-US" b="1" dirty="0"/>
-              <a:t/>
-            </a:r>
-            <a:br>
-              <a:rPr lang="en-US" b="1" dirty="0"/>
-            </a:br>
-            <a:r>
-              <a:rPr lang="en-US" b="1" dirty="0"/>
-              <a:t>C Programming Error Types</a:t>
-            </a:r>
+              <a:rPr lang="en-US" dirty="0" smtClean="0"/>
+              <a:t>UNIT 5</a:t>
+            </a:r>
+            <a:endParaRPr lang="en-US" dirty="0"/>
           </a:p>
         </p:txBody>
       </p:sp>
@@ -3654,113 +3648,22 @@
         </p:nvSpPr>
         <p:spPr>
           <a:xfrm>
-            <a:off x="457200" y="1143000"/>
-            <a:ext cx="8229600" cy="5410200"/>
+            <a:off x="457200" y="3047999"/>
+            <a:ext cx="8229600" cy="1371601"/>
           </a:xfrm>
         </p:spPr>
         <p:txBody>
-          <a:bodyPr>
-            <a:normAutofit fontScale="70000" lnSpcReduction="20000"/>
-          </a:bodyPr>
-          <a:lstStyle/>
-          <a:p>
-            <a:pPr>
-              <a:lnSpc>
-                <a:spcPct val="170000"/>
-              </a:lnSpc>
-            </a:pPr>
-            <a:r>
-              <a:rPr lang="en-US" dirty="0" smtClean="0"/>
-              <a:t>While </a:t>
-            </a:r>
-            <a:r>
-              <a:rPr lang="en-US" dirty="0"/>
-              <a:t>writing c programs, errors also known as bugs </a:t>
-            </a:r>
-            <a:endParaRPr lang="en-US" dirty="0" smtClean="0"/>
-          </a:p>
-          <a:p>
-            <a:pPr>
-              <a:lnSpc>
-                <a:spcPct val="170000"/>
-              </a:lnSpc>
-            </a:pPr>
-            <a:endParaRPr lang="en-US" dirty="0" smtClean="0"/>
-          </a:p>
-          <a:p>
-            <a:pPr>
-              <a:lnSpc>
-                <a:spcPct val="170000"/>
-              </a:lnSpc>
-            </a:pPr>
-            <a:r>
-              <a:rPr lang="en-US" dirty="0"/>
-              <a:t>may occur unwillingly which may prevent the program to compile and run correctly as per the expectation of the programmer</a:t>
-            </a:r>
-            <a:r>
-              <a:rPr lang="en-US" dirty="0" smtClean="0"/>
-              <a:t>.</a:t>
-            </a:r>
-          </a:p>
-          <a:p>
-            <a:pPr>
-              <a:lnSpc>
-                <a:spcPct val="170000"/>
-              </a:lnSpc>
-            </a:pPr>
-            <a:endParaRPr lang="en-US" dirty="0" smtClean="0"/>
-          </a:p>
-          <a:p>
-            <a:pPr>
-              <a:lnSpc>
-                <a:spcPct val="170000"/>
-              </a:lnSpc>
-            </a:pPr>
-            <a:r>
-              <a:rPr lang="en-US" dirty="0"/>
-              <a:t>Basically there are three types of errors in c programming:</a:t>
-            </a:r>
-          </a:p>
-          <a:p>
-            <a:pPr lvl="1">
-              <a:lnSpc>
-                <a:spcPct val="170000"/>
-              </a:lnSpc>
-            </a:pPr>
-            <a:r>
-              <a:rPr lang="en-US" dirty="0"/>
-              <a:t>Runtime Errors</a:t>
-            </a:r>
-          </a:p>
-          <a:p>
-            <a:pPr lvl="1">
-              <a:lnSpc>
-                <a:spcPct val="170000"/>
-              </a:lnSpc>
-            </a:pPr>
-            <a:r>
-              <a:rPr lang="en-US" dirty="0"/>
-              <a:t>Compile Errors</a:t>
-            </a:r>
-          </a:p>
-          <a:p>
-            <a:pPr lvl="1">
-              <a:lnSpc>
-                <a:spcPct val="170000"/>
-              </a:lnSpc>
-            </a:pPr>
-            <a:r>
-              <a:rPr lang="en-US" dirty="0"/>
-              <a:t>Logical Errors</a:t>
-            </a:r>
-          </a:p>
-          <a:p>
-            <a:pPr>
-              <a:lnSpc>
-                <a:spcPct val="170000"/>
-              </a:lnSpc>
-            </a:pPr>
-            <a:endParaRPr lang="en-US" dirty="0"/>
+          <a:bodyPr/>
+          <a:lstStyle/>
+          <a:p>
+            <a:pPr marL="0" indent="0" algn="ctr">
+              <a:buNone/>
+            </a:pPr>
+            <a:r>
+              <a:rPr lang="en-US" b="1" dirty="0" smtClean="0"/>
+              <a:t>CONTROL STATEMENTS</a:t>
+            </a:r>
+            <a:endParaRPr lang="en-US" b="1" dirty="0"/>
           </a:p>
         </p:txBody>
       </p:sp>
@@ -3814,7 +3717,7 @@
     </p:spTree>
     <p:extLst>
       <p:ext uri="{BB962C8B-B14F-4D97-AF65-F5344CB8AC3E}">
-        <p14:creationId xmlns:p14="http://schemas.microsoft.com/office/powerpoint/2010/main" val="1768715964"/>
+        <p14:creationId xmlns:p14="http://schemas.microsoft.com/office/powerpoint/2010/main" val="3659299523"/>
       </p:ext>
     </p:extLst>
   </p:cSld>
@@ -6677,8 +6580,8 @@
         </p:nvSpPr>
         <p:spPr>
           <a:xfrm>
-            <a:off x="457200" y="274638"/>
-            <a:ext cx="8229600" cy="487362"/>
+            <a:off x="457200" y="0"/>
+            <a:ext cx="8229600" cy="258762"/>
           </a:xfrm>
         </p:spPr>
         <p:txBody>
@@ -6689,13 +6592,15 @@
           <a:p>
             <a:r>
               <a:rPr lang="en-US" b="1" dirty="0"/>
-              <a:t>C Runtime </a:t>
-            </a:r>
-            <a:r>
-              <a:rPr lang="en-US" b="1" dirty="0" smtClean="0"/>
-              <a:t>Errors</a:t>
-            </a:r>
-            <a:endParaRPr lang="en-US" b="1" dirty="0"/>
+              <a:t/>
+            </a:r>
+            <a:br>
+              <a:rPr lang="en-US" b="1" dirty="0"/>
+            </a:br>
+            <a:r>
+              <a:rPr lang="en-US" b="1" dirty="0"/>
+              <a:t>C Programming Error Types</a:t>
+            </a:r>
           </a:p>
         </p:txBody>
       </p:sp>
@@ -6711,8 +6616,8 @@
         </p:nvSpPr>
         <p:spPr>
           <a:xfrm>
-            <a:off x="457200" y="1219200"/>
-            <a:ext cx="8229600" cy="4906963"/>
+            <a:off x="457200" y="1143000"/>
+            <a:ext cx="8229600" cy="5410200"/>
           </a:xfrm>
         </p:spPr>
         <p:txBody>
@@ -6723,26 +6628,23 @@
           <a:p>
             <a:pPr>
               <a:lnSpc>
-                <a:spcPct val="160000"/>
+                <a:spcPct val="170000"/>
               </a:lnSpc>
             </a:pPr>
             <a:r>
-              <a:rPr lang="en-US" dirty="0"/>
-              <a:t>C runtime errors are those errors that occur during the </a:t>
-            </a:r>
-            <a:r>
               <a:rPr lang="en-US" dirty="0" smtClean="0"/>
-              <a:t>execution </a:t>
-            </a:r>
-            <a:r>
-              <a:rPr lang="en-US" dirty="0"/>
-              <a:t>of a c program and generally occur due to some illegal operation performed in the program.</a:t>
-            </a:r>
+              <a:t>While </a:t>
+            </a:r>
+            <a:r>
+              <a:rPr lang="en-US" dirty="0"/>
+              <a:t>writing c programs, errors also known as bugs </a:t>
+            </a:r>
+            <a:endParaRPr lang="en-US" dirty="0" smtClean="0"/>
           </a:p>
           <a:p>
             <a:pPr>
               <a:lnSpc>
-                <a:spcPct val="160000"/>
+                <a:spcPct val="170000"/>
               </a:lnSpc>
             </a:pPr>
             <a:endParaRPr lang="en-US" dirty="0" smtClean="0"/>
@@ -6750,50 +6652,76 @@
           <a:p>
             <a:pPr>
               <a:lnSpc>
-                <a:spcPct val="160000"/>
+                <a:spcPct val="170000"/>
               </a:lnSpc>
             </a:pPr>
             <a:r>
               <a:rPr lang="en-US" dirty="0"/>
-              <a:t>Examples of some illegal operations that may produce runtime errors are:</a:t>
+              <a:t>may occur unwillingly which may prevent the program to compile and run correctly as per the expectation of the programmer</a:t>
+            </a:r>
+            <a:r>
+              <a:rPr lang="en-US" dirty="0" smtClean="0"/>
+              <a:t>.</a:t>
+            </a:r>
+          </a:p>
+          <a:p>
+            <a:pPr>
+              <a:lnSpc>
+                <a:spcPct val="170000"/>
+              </a:lnSpc>
+            </a:pPr>
+            <a:endParaRPr lang="en-US" dirty="0" smtClean="0"/>
+          </a:p>
+          <a:p>
+            <a:pPr>
+              <a:lnSpc>
+                <a:spcPct val="170000"/>
+              </a:lnSpc>
+            </a:pPr>
+            <a:r>
+              <a:rPr lang="en-US" dirty="0"/>
+              <a:t>Basically there are three types of errors in c programming:</a:t>
             </a:r>
           </a:p>
           <a:p>
             <a:pPr lvl="1">
               <a:lnSpc>
-                <a:spcPct val="160000"/>
+                <a:spcPct val="170000"/>
               </a:lnSpc>
             </a:pPr>
             <a:r>
               <a:rPr lang="en-US" dirty="0"/>
-              <a:t>Dividing a number by zero</a:t>
+              <a:t>Runtime Errors</a:t>
             </a:r>
           </a:p>
           <a:p>
             <a:pPr lvl="1">
               <a:lnSpc>
-                <a:spcPct val="160000"/>
+                <a:spcPct val="170000"/>
               </a:lnSpc>
             </a:pPr>
             <a:r>
               <a:rPr lang="en-US" dirty="0"/>
-              <a:t>Trying to open a file which is not created</a:t>
+              <a:t>Compile Errors</a:t>
             </a:r>
           </a:p>
           <a:p>
             <a:pPr lvl="1">
               <a:lnSpc>
-                <a:spcPct val="160000"/>
+                <a:spcPct val="170000"/>
               </a:lnSpc>
             </a:pPr>
             <a:r>
               <a:rPr lang="en-US" dirty="0"/>
-              <a:t>Lack of free memory </a:t>
-            </a:r>
-            <a:r>
-              <a:rPr lang="en-US" dirty="0" smtClean="0"/>
-              <a:t>space</a:t>
-            </a:r>
+              <a:t>Logical Errors</a:t>
+            </a:r>
+          </a:p>
+          <a:p>
+            <a:pPr>
+              <a:lnSpc>
+                <a:spcPct val="170000"/>
+              </a:lnSpc>
+            </a:pPr>
             <a:endParaRPr lang="en-US" dirty="0"/>
           </a:p>
         </p:txBody>
@@ -6848,7 +6776,7 @@
     </p:spTree>
     <p:extLst>
       <p:ext uri="{BB962C8B-B14F-4D97-AF65-F5344CB8AC3E}">
-        <p14:creationId xmlns:p14="http://schemas.microsoft.com/office/powerpoint/2010/main" val="123327317"/>
+        <p14:creationId xmlns:p14="http://schemas.microsoft.com/office/powerpoint/2010/main" val="1768715964"/>
       </p:ext>
     </p:extLst>
   </p:cSld>
@@ -9957,7 +9885,7 @@
         <p:spPr>
           <a:xfrm>
             <a:off x="457200" y="274638"/>
-            <a:ext cx="8229600" cy="868362"/>
+            <a:ext cx="8229600" cy="487362"/>
           </a:xfrm>
         </p:spPr>
         <p:txBody>
@@ -9967,21 +9895,14 @@
           <a:lstStyle/>
           <a:p>
             <a:r>
-              <a:rPr lang="en-US" b="1"/>
-              <a:t>Compile </a:t>
-            </a:r>
-            <a:r>
-              <a:rPr lang="en-US" b="1" smtClean="0"/>
+              <a:rPr lang="en-US" b="1" dirty="0"/>
+              <a:t>C Runtime </a:t>
+            </a:r>
+            <a:r>
+              <a:rPr lang="en-US" b="1" dirty="0" smtClean="0"/>
               <a:t>Errors</a:t>
             </a:r>
-            <a:r>
-              <a:rPr lang="en-US" b="1"/>
-              <a:t/>
-            </a:r>
-            <a:br>
-              <a:rPr lang="en-US" b="1"/>
-            </a:br>
-            <a:endParaRPr lang="en-US" b="1"/>
+            <a:endParaRPr lang="en-US" b="1" dirty="0"/>
           </a:p>
         </p:txBody>
       </p:sp>
@@ -9997,241 +9918,89 @@
         </p:nvSpPr>
         <p:spPr>
           <a:xfrm>
-            <a:off x="457200" y="1143000"/>
-            <a:ext cx="8229600" cy="4983163"/>
+            <a:off x="457200" y="1219200"/>
+            <a:ext cx="8229600" cy="4906963"/>
           </a:xfrm>
         </p:spPr>
         <p:txBody>
           <a:bodyPr>
-            <a:normAutofit fontScale="92500" lnSpcReduction="20000"/>
+            <a:normAutofit fontScale="70000" lnSpcReduction="20000"/>
           </a:bodyPr>
           <a:lstStyle/>
           <a:p>
-            <a:r>
-              <a:rPr lang="en-US" dirty="0"/>
-              <a:t>Compile errors are those errors that occur at the time of compilation of the program. </a:t>
-            </a:r>
+            <a:pPr>
+              <a:lnSpc>
+                <a:spcPct val="160000"/>
+              </a:lnSpc>
+            </a:pPr>
+            <a:r>
+              <a:rPr lang="en-US" dirty="0"/>
+              <a:t>C runtime errors are those errors that occur during the </a:t>
+            </a:r>
+            <a:r>
+              <a:rPr lang="en-US" dirty="0" smtClean="0"/>
+              <a:t>execution </a:t>
+            </a:r>
+            <a:r>
+              <a:rPr lang="en-US" dirty="0"/>
+              <a:t>of a c program and generally occur due to some illegal operation performed in the program.</a:t>
+            </a:r>
+          </a:p>
+          <a:p>
+            <a:pPr>
+              <a:lnSpc>
+                <a:spcPct val="160000"/>
+              </a:lnSpc>
+            </a:pPr>
             <a:endParaRPr lang="en-US" dirty="0" smtClean="0"/>
           </a:p>
           <a:p>
+            <a:pPr>
+              <a:lnSpc>
+                <a:spcPct val="160000"/>
+              </a:lnSpc>
+            </a:pPr>
+            <a:r>
+              <a:rPr lang="en-US" dirty="0"/>
+              <a:t>Examples of some illegal operations that may produce runtime errors are:</a:t>
+            </a:r>
+          </a:p>
+          <a:p>
+            <a:pPr lvl="1">
+              <a:lnSpc>
+                <a:spcPct val="160000"/>
+              </a:lnSpc>
+            </a:pPr>
+            <a:r>
+              <a:rPr lang="en-US" dirty="0"/>
+              <a:t>Dividing a number by zero</a:t>
+            </a:r>
+          </a:p>
+          <a:p>
+            <a:pPr lvl="1">
+              <a:lnSpc>
+                <a:spcPct val="160000"/>
+              </a:lnSpc>
+            </a:pPr>
+            <a:r>
+              <a:rPr lang="en-US" dirty="0"/>
+              <a:t>Trying to open a file which is not created</a:t>
+            </a:r>
+          </a:p>
+          <a:p>
+            <a:pPr lvl="1">
+              <a:lnSpc>
+                <a:spcPct val="160000"/>
+              </a:lnSpc>
+            </a:pPr>
+            <a:r>
+              <a:rPr lang="en-US" dirty="0"/>
+              <a:t>Lack of free memory </a:t>
+            </a:r>
             <a:r>
               <a:rPr lang="en-US" dirty="0" smtClean="0"/>
-              <a:t>C compile </a:t>
-            </a:r>
-            <a:r>
-              <a:rPr lang="en-US" dirty="0"/>
-              <a:t>errors may be further classified as:</a:t>
-            </a:r>
-          </a:p>
-          <a:p>
-            <a:pPr lvl="1"/>
-            <a:r>
-              <a:rPr lang="en-US" b="1" dirty="0"/>
-              <a:t>Syntax Errors</a:t>
-            </a:r>
-          </a:p>
-          <a:p>
-            <a:pPr lvl="2"/>
-            <a:r>
-              <a:rPr lang="en-US" dirty="0"/>
-              <a:t>Ex: </a:t>
-            </a:r>
-            <a:r>
-              <a:rPr lang="en-US" dirty="0" err="1"/>
-              <a:t>int</a:t>
-            </a:r>
-            <a:r>
-              <a:rPr lang="en-US" dirty="0"/>
-              <a:t> </a:t>
-            </a:r>
-            <a:r>
-              <a:rPr lang="en-US" dirty="0" err="1"/>
-              <a:t>a,b</a:t>
-            </a:r>
-            <a:r>
-              <a:rPr lang="en-US" dirty="0"/>
-              <a:t>: </a:t>
-            </a:r>
-            <a:endParaRPr lang="en-US" dirty="0" smtClean="0"/>
-          </a:p>
-          <a:p>
-            <a:pPr lvl="2"/>
-            <a:r>
-              <a:rPr lang="en-US" dirty="0"/>
-              <a:t>will produce syntax error as the statement is terminated with : rather than ; </a:t>
-            </a:r>
-            <a:endParaRPr lang="en-US" dirty="0" smtClean="0"/>
-          </a:p>
-          <a:p>
-            <a:pPr lvl="1"/>
-            <a:r>
-              <a:rPr lang="en-US" b="1" dirty="0" smtClean="0"/>
-              <a:t>Semantic </a:t>
-            </a:r>
-            <a:r>
-              <a:rPr lang="en-US" b="1" dirty="0"/>
-              <a:t>Errors</a:t>
-            </a:r>
-          </a:p>
-          <a:p>
-            <a:pPr lvl="2"/>
-            <a:r>
-              <a:rPr lang="en-US" dirty="0" smtClean="0"/>
-              <a:t>Ex: </a:t>
-            </a:r>
-            <a:r>
-              <a:rPr lang="it-IT" dirty="0" err="1"/>
-              <a:t>b+c</a:t>
-            </a:r>
-            <a:r>
-              <a:rPr lang="it-IT" dirty="0"/>
-              <a:t>=a; </a:t>
-            </a:r>
-            <a:endParaRPr lang="it-IT" dirty="0" smtClean="0"/>
-          </a:p>
-          <a:p>
-            <a:pPr lvl="3"/>
-            <a:r>
-              <a:rPr lang="it-IT" dirty="0" err="1"/>
-              <a:t>W</a:t>
-            </a:r>
-            <a:r>
-              <a:rPr lang="it-IT" dirty="0" err="1" smtClean="0"/>
-              <a:t>e</a:t>
-            </a:r>
-            <a:r>
-              <a:rPr lang="it-IT" dirty="0" smtClean="0"/>
-              <a:t> </a:t>
-            </a:r>
-            <a:r>
-              <a:rPr lang="it-IT" dirty="0"/>
-              <a:t>are </a:t>
-            </a:r>
-            <a:r>
-              <a:rPr lang="it-IT" dirty="0" err="1"/>
-              <a:t>trying</a:t>
-            </a:r>
-            <a:r>
-              <a:rPr lang="it-IT" dirty="0"/>
-              <a:t> to </a:t>
-            </a:r>
-            <a:r>
-              <a:rPr lang="it-IT" dirty="0" err="1"/>
-              <a:t>assign</a:t>
-            </a:r>
-            <a:r>
-              <a:rPr lang="it-IT" dirty="0"/>
-              <a:t> </a:t>
-            </a:r>
-            <a:r>
-              <a:rPr lang="it-IT" dirty="0" err="1"/>
-              <a:t>value</a:t>
-            </a:r>
-            <a:r>
-              <a:rPr lang="it-IT" dirty="0"/>
-              <a:t> of a in the </a:t>
-            </a:r>
-            <a:r>
-              <a:rPr lang="it-IT" dirty="0" err="1"/>
-              <a:t>value</a:t>
-            </a:r>
-            <a:r>
-              <a:rPr lang="it-IT" dirty="0"/>
-              <a:t> </a:t>
-            </a:r>
-            <a:r>
-              <a:rPr lang="it-IT" dirty="0" err="1"/>
-              <a:t>obtained</a:t>
-            </a:r>
-            <a:r>
-              <a:rPr lang="it-IT" dirty="0"/>
-              <a:t> by </a:t>
-            </a:r>
-            <a:r>
-              <a:rPr lang="it-IT" dirty="0" err="1"/>
-              <a:t>summation</a:t>
-            </a:r>
-            <a:r>
-              <a:rPr lang="it-IT" dirty="0"/>
-              <a:t> of b and c </a:t>
-            </a:r>
-            <a:r>
-              <a:rPr lang="it-IT" dirty="0" err="1"/>
-              <a:t>which</a:t>
-            </a:r>
-            <a:r>
-              <a:rPr lang="it-IT" dirty="0"/>
-              <a:t> </a:t>
-            </a:r>
-            <a:r>
-              <a:rPr lang="it-IT" dirty="0" err="1"/>
-              <a:t>has</a:t>
-            </a:r>
-            <a:r>
-              <a:rPr lang="it-IT" dirty="0"/>
-              <a:t> no </a:t>
-            </a:r>
-            <a:r>
-              <a:rPr lang="it-IT" dirty="0" err="1"/>
-              <a:t>meaning</a:t>
-            </a:r>
-            <a:r>
-              <a:rPr lang="it-IT" dirty="0"/>
-              <a:t> in c. The </a:t>
-            </a:r>
-            <a:r>
-              <a:rPr lang="it-IT" dirty="0" err="1"/>
-              <a:t>correct</a:t>
-            </a:r>
-            <a:r>
-              <a:rPr lang="it-IT" dirty="0"/>
-              <a:t> statement </a:t>
-            </a:r>
-            <a:r>
-              <a:rPr lang="it-IT" dirty="0" err="1"/>
-              <a:t>will</a:t>
-            </a:r>
-            <a:r>
-              <a:rPr lang="it-IT" dirty="0"/>
-              <a:t> </a:t>
-            </a:r>
-            <a:r>
-              <a:rPr lang="it-IT" dirty="0" smtClean="0"/>
-              <a:t>be:</a:t>
-            </a:r>
-          </a:p>
-          <a:p>
-            <a:pPr lvl="5"/>
-            <a:r>
-              <a:rPr lang="it-IT" dirty="0"/>
-              <a:t>a</a:t>
-            </a:r>
-            <a:r>
-              <a:rPr lang="it-IT" dirty="0" smtClean="0"/>
-              <a:t>=</a:t>
-            </a:r>
-            <a:r>
-              <a:rPr lang="it-IT" dirty="0" err="1" smtClean="0"/>
-              <a:t>b+c</a:t>
-            </a:r>
-            <a:r>
-              <a:rPr lang="it-IT" dirty="0" smtClean="0"/>
-              <a:t>;</a:t>
-            </a:r>
-            <a:r>
-              <a:rPr lang="en-US" dirty="0"/>
-              <a:t/>
-            </a:r>
-            <a:br>
-              <a:rPr lang="en-US" dirty="0"/>
-            </a:br>
-            <a:r>
-              <a:rPr lang="en-US" dirty="0"/>
-              <a:t> </a:t>
-            </a:r>
-            <a:br>
-              <a:rPr lang="en-US" dirty="0"/>
-            </a:br>
+              <a:t>space</a:t>
+            </a:r>
             <a:endParaRPr lang="en-US" dirty="0"/>
           </a:p>
         </p:txBody>
@@ -10286,7 +10055,7 @@
     </p:spTree>
     <p:extLst>
       <p:ext uri="{BB962C8B-B14F-4D97-AF65-F5344CB8AC3E}">
-        <p14:creationId xmlns:p14="http://schemas.microsoft.com/office/powerpoint/2010/main" val="2094966619"/>
+        <p14:creationId xmlns:p14="http://schemas.microsoft.com/office/powerpoint/2010/main" val="123327317"/>
       </p:ext>
     </p:extLst>
   </p:cSld>
@@ -13146,23 +12915,30 @@
         <p:spPr>
           <a:xfrm>
             <a:off x="457200" y="274638"/>
-            <a:ext cx="8229600" cy="944562"/>
+            <a:ext cx="8229600" cy="868362"/>
           </a:xfrm>
         </p:spPr>
         <p:txBody>
           <a:bodyPr>
-            <a:normAutofit/>
+            <a:normAutofit fontScale="90000"/>
           </a:bodyPr>
           <a:lstStyle/>
           <a:p>
             <a:r>
               <a:rPr lang="en-US" b="1"/>
-              <a:t>Logical </a:t>
+              <a:t>Compile </a:t>
             </a:r>
             <a:r>
               <a:rPr lang="en-US" b="1" smtClean="0"/>
               <a:t>Errors</a:t>
             </a:r>
+            <a:r>
+              <a:rPr lang="en-US" b="1"/>
+              <a:t/>
+            </a:r>
+            <a:br>
+              <a:rPr lang="en-US" b="1"/>
+            </a:br>
             <a:endParaRPr lang="en-US" b="1"/>
           </a:p>
         </p:txBody>
@@ -13179,95 +12955,242 @@
         </p:nvSpPr>
         <p:spPr>
           <a:xfrm>
-            <a:off x="457200" y="1219200"/>
-            <a:ext cx="8229600" cy="4906963"/>
+            <a:off x="457200" y="1143000"/>
+            <a:ext cx="8229600" cy="4983163"/>
           </a:xfrm>
         </p:spPr>
         <p:txBody>
           <a:bodyPr>
-            <a:normAutofit fontScale="62500" lnSpcReduction="20000"/>
+            <a:normAutofit fontScale="92500" lnSpcReduction="20000"/>
           </a:bodyPr>
           <a:lstStyle/>
           <a:p>
-            <a:pPr>
-              <a:lnSpc>
-                <a:spcPct val="170000"/>
-              </a:lnSpc>
-            </a:pPr>
-            <a:r>
-              <a:rPr lang="en-US" dirty="0"/>
-              <a:t>Logical errors are the errors in the output of the program</a:t>
-            </a:r>
+            <a:r>
+              <a:rPr lang="en-US" dirty="0"/>
+              <a:t>Compile errors are those errors that occur at the time of compilation of the program. </a:t>
+            </a:r>
+            <a:endParaRPr lang="en-US" dirty="0" smtClean="0"/>
+          </a:p>
+          <a:p>
             <a:r>
               <a:rPr lang="en-US" dirty="0" smtClean="0"/>
-              <a:t>.</a:t>
-            </a:r>
-          </a:p>
-          <a:p>
-            <a:pPr>
-              <a:lnSpc>
-                <a:spcPct val="170000"/>
-              </a:lnSpc>
-            </a:pPr>
+              <a:t>C compile </a:t>
+            </a:r>
+            <a:r>
+              <a:rPr lang="en-US" dirty="0"/>
+              <a:t>errors may be further classified as:</a:t>
+            </a:r>
+          </a:p>
+          <a:p>
+            <a:pPr lvl="1"/>
+            <a:r>
+              <a:rPr lang="en-US" b="1" dirty="0"/>
+              <a:t>Syntax Errors</a:t>
+            </a:r>
+          </a:p>
+          <a:p>
+            <a:pPr lvl="2"/>
+            <a:r>
+              <a:rPr lang="en-US" dirty="0"/>
+              <a:t>Ex: </a:t>
+            </a:r>
+            <a:r>
+              <a:rPr lang="en-US" dirty="0" err="1"/>
+              <a:t>int</a:t>
+            </a:r>
+            <a:r>
+              <a:rPr lang="en-US" dirty="0"/>
+              <a:t> </a:t>
+            </a:r>
+            <a:r>
+              <a:rPr lang="en-US" dirty="0" err="1"/>
+              <a:t>a,b</a:t>
+            </a:r>
+            <a:r>
+              <a:rPr lang="en-US" dirty="0"/>
+              <a:t>: </a:t>
+            </a:r>
+            <a:endParaRPr lang="en-US" dirty="0" smtClean="0"/>
+          </a:p>
+          <a:p>
+            <a:pPr lvl="2"/>
+            <a:r>
+              <a:rPr lang="en-US" dirty="0"/>
+              <a:t>will produce syntax error as the statement is terminated with : rather than ; </a:t>
+            </a:r>
+            <a:endParaRPr lang="en-US" dirty="0" smtClean="0"/>
+          </a:p>
+          <a:p>
+            <a:pPr lvl="1"/>
+            <a:r>
+              <a:rPr lang="en-US" b="1" dirty="0" smtClean="0"/>
+              <a:t>Semantic </a:t>
+            </a:r>
+            <a:r>
+              <a:rPr lang="en-US" b="1" dirty="0"/>
+              <a:t>Errors</a:t>
+            </a:r>
+          </a:p>
+          <a:p>
+            <a:pPr lvl="2"/>
+            <a:r>
+              <a:rPr lang="en-US" dirty="0" smtClean="0"/>
+              <a:t>Ex: </a:t>
+            </a:r>
+            <a:r>
+              <a:rPr lang="it-IT" dirty="0" err="1"/>
+              <a:t>b+c</a:t>
+            </a:r>
+            <a:r>
+              <a:rPr lang="it-IT" dirty="0"/>
+              <a:t>=a; </a:t>
+            </a:r>
+            <a:endParaRPr lang="it-IT" dirty="0" smtClean="0"/>
+          </a:p>
+          <a:p>
+            <a:pPr lvl="3"/>
+            <a:r>
+              <a:rPr lang="it-IT" dirty="0" err="1"/>
+              <a:t>W</a:t>
+            </a:r>
+            <a:r>
+              <a:rPr lang="it-IT" dirty="0" err="1" smtClean="0"/>
+              <a:t>e</a:t>
+            </a:r>
+            <a:r>
+              <a:rPr lang="it-IT" dirty="0" smtClean="0"/>
+              <a:t> </a:t>
+            </a:r>
+            <a:r>
+              <a:rPr lang="it-IT" dirty="0"/>
+              <a:t>are </a:t>
+            </a:r>
+            <a:r>
+              <a:rPr lang="it-IT" dirty="0" err="1"/>
+              <a:t>trying</a:t>
+            </a:r>
+            <a:r>
+              <a:rPr lang="it-IT" dirty="0"/>
+              <a:t> to </a:t>
+            </a:r>
+            <a:r>
+              <a:rPr lang="it-IT" dirty="0" err="1"/>
+              <a:t>assign</a:t>
+            </a:r>
+            <a:r>
+              <a:rPr lang="it-IT" dirty="0"/>
+              <a:t> </a:t>
+            </a:r>
+            <a:r>
+              <a:rPr lang="it-IT" dirty="0" err="1"/>
+              <a:t>value</a:t>
+            </a:r>
+            <a:r>
+              <a:rPr lang="it-IT" dirty="0"/>
+              <a:t> of a in the </a:t>
+            </a:r>
+            <a:r>
+              <a:rPr lang="it-IT" dirty="0" err="1"/>
+              <a:t>value</a:t>
+            </a:r>
+            <a:r>
+              <a:rPr lang="it-IT" dirty="0"/>
+              <a:t> </a:t>
+            </a:r>
+            <a:r>
+              <a:rPr lang="it-IT" dirty="0" err="1"/>
+              <a:t>obtained</a:t>
+            </a:r>
+            <a:r>
+              <a:rPr lang="it-IT" dirty="0"/>
+              <a:t> by </a:t>
+            </a:r>
+            <a:r>
+              <a:rPr lang="it-IT" dirty="0" err="1"/>
+              <a:t>summation</a:t>
+            </a:r>
+            <a:r>
+              <a:rPr lang="it-IT" dirty="0"/>
+              <a:t> of b and c </a:t>
+            </a:r>
+            <a:r>
+              <a:rPr lang="it-IT" dirty="0" err="1"/>
+              <a:t>which</a:t>
+            </a:r>
+            <a:r>
+              <a:rPr lang="it-IT" dirty="0"/>
+              <a:t> </a:t>
+            </a:r>
+            <a:r>
+              <a:rPr lang="it-IT" dirty="0" err="1"/>
+              <a:t>has</a:t>
+            </a:r>
+            <a:r>
+              <a:rPr lang="it-IT" dirty="0"/>
+              <a:t> no </a:t>
+            </a:r>
+            <a:r>
+              <a:rPr lang="it-IT" dirty="0" err="1"/>
+              <a:t>meaning</a:t>
+            </a:r>
+            <a:r>
+              <a:rPr lang="it-IT" dirty="0"/>
+              <a:t> in c. The </a:t>
+            </a:r>
+            <a:r>
+              <a:rPr lang="it-IT" dirty="0" err="1"/>
+              <a:t>correct</a:t>
+            </a:r>
+            <a:r>
+              <a:rPr lang="it-IT" dirty="0"/>
+              <a:t> statement </a:t>
+            </a:r>
+            <a:r>
+              <a:rPr lang="it-IT" dirty="0" err="1"/>
+              <a:t>will</a:t>
+            </a:r>
+            <a:r>
+              <a:rPr lang="it-IT" dirty="0"/>
+              <a:t> </a:t>
+            </a:r>
+            <a:r>
+              <a:rPr lang="it-IT" dirty="0" smtClean="0"/>
+              <a:t>be:</a:t>
+            </a:r>
+          </a:p>
+          <a:p>
+            <a:pPr lvl="5"/>
+            <a:r>
+              <a:rPr lang="it-IT" dirty="0"/>
+              <a:t>a</a:t>
+            </a:r>
+            <a:r>
+              <a:rPr lang="it-IT" dirty="0" smtClean="0"/>
+              <a:t>=</a:t>
+            </a:r>
+            <a:r>
+              <a:rPr lang="it-IT" dirty="0" err="1" smtClean="0"/>
+              <a:t>b+c</a:t>
+            </a:r>
+            <a:r>
+              <a:rPr lang="it-IT" dirty="0" smtClean="0"/>
+              <a:t>;</a:t>
+            </a:r>
+            <a:r>
+              <a:rPr lang="en-US" dirty="0"/>
+              <a:t/>
+            </a:r>
+            <a:br>
+              <a:rPr lang="en-US" dirty="0"/>
+            </a:br>
+            <a:r>
+              <a:rPr lang="en-US" dirty="0"/>
+              <a:t> </a:t>
+            </a:r>
+            <a:br>
+              <a:rPr lang="en-US" dirty="0"/>
+            </a:br>
             <a:endParaRPr lang="en-US" dirty="0"/>
-          </a:p>
-          <a:p>
-            <a:pPr>
-              <a:lnSpc>
-                <a:spcPct val="170000"/>
-              </a:lnSpc>
-            </a:pPr>
-            <a:r>
-              <a:rPr lang="en-US" dirty="0"/>
-              <a:t>The presence of logical errors leads to undesired or incorrect output </a:t>
-            </a:r>
-            <a:endParaRPr lang="en-US" dirty="0" smtClean="0"/>
-          </a:p>
-          <a:p>
-            <a:pPr>
-              <a:lnSpc>
-                <a:spcPct val="170000"/>
-              </a:lnSpc>
-            </a:pPr>
-            <a:endParaRPr lang="en-US" dirty="0" smtClean="0"/>
-          </a:p>
-          <a:p>
-            <a:pPr>
-              <a:lnSpc>
-                <a:spcPct val="170000"/>
-              </a:lnSpc>
-            </a:pPr>
-            <a:r>
-              <a:rPr lang="en-US" dirty="0"/>
-              <a:t>A</a:t>
-            </a:r>
-            <a:r>
-              <a:rPr lang="en-US" dirty="0" smtClean="0"/>
-              <a:t>re </a:t>
-            </a:r>
-            <a:r>
-              <a:rPr lang="en-US" dirty="0"/>
-              <a:t>caused due to error in the logic applied in the program to produce the desired output.</a:t>
-            </a:r>
-          </a:p>
-          <a:p>
-            <a:pPr>
-              <a:lnSpc>
-                <a:spcPct val="170000"/>
-              </a:lnSpc>
-            </a:pPr>
-            <a:endParaRPr lang="en-US" dirty="0" smtClean="0"/>
-          </a:p>
-          <a:p>
-            <a:pPr>
-              <a:lnSpc>
-                <a:spcPct val="170000"/>
-              </a:lnSpc>
-            </a:pPr>
-            <a:r>
-              <a:rPr lang="en-US" dirty="0"/>
-              <a:t>logical errors could not be detected by the compiler, and thus, programmers has to check the entire coding of a c program line by line.</a:t>
-            </a:r>
           </a:p>
         </p:txBody>
       </p:sp>
@@ -13321,7 +13244,7 @@
     </p:spTree>
     <p:extLst>
       <p:ext uri="{BB962C8B-B14F-4D97-AF65-F5344CB8AC3E}">
-        <p14:creationId xmlns:p14="http://schemas.microsoft.com/office/powerpoint/2010/main" val="385629050"/>
+        <p14:creationId xmlns:p14="http://schemas.microsoft.com/office/powerpoint/2010/main" val="2094966619"/>
       </p:ext>
     </p:extLst>
   </p:cSld>
@@ -15917,8 +15840,8 @@
         </p:nvSpPr>
         <p:spPr>
           <a:xfrm>
-            <a:off x="304800" y="1904999"/>
-            <a:ext cx="8229600" cy="1142999"/>
+            <a:off x="457200" y="274638"/>
+            <a:ext cx="8229600" cy="944562"/>
           </a:xfrm>
         </p:spPr>
         <p:txBody>
@@ -15928,10 +15851,14 @@
           <a:lstStyle/>
           <a:p>
             <a:r>
-              <a:rPr lang="en-US" dirty="0" smtClean="0"/>
-              <a:t>UNIT 5</a:t>
-            </a:r>
-            <a:endParaRPr lang="en-US" dirty="0"/>
+              <a:rPr lang="en-US" b="1"/>
+              <a:t>Logical </a:t>
+            </a:r>
+            <a:r>
+              <a:rPr lang="en-US" b="1" smtClean="0"/>
+              <a:t>Errors</a:t>
+            </a:r>
+            <a:endParaRPr lang="en-US" b="1"/>
           </a:p>
         </p:txBody>
       </p:sp>
@@ -15947,22 +15874,95 @@
         </p:nvSpPr>
         <p:spPr>
           <a:xfrm>
-            <a:off x="457200" y="3047999"/>
-            <a:ext cx="8229600" cy="1371601"/>
+            <a:off x="457200" y="1219200"/>
+            <a:ext cx="8229600" cy="4906963"/>
           </a:xfrm>
         </p:spPr>
         <p:txBody>
-          <a:bodyPr/>
-          <a:lstStyle/>
-          <a:p>
-            <a:pPr marL="0" indent="0" algn="ctr">
-              <a:buNone/>
-            </a:pPr>
-            <a:r>
-              <a:rPr lang="en-US" b="1" dirty="0" smtClean="0"/>
-              <a:t>CONTROL STATEMENTS</a:t>
-            </a:r>
-            <a:endParaRPr lang="en-US" b="1" dirty="0"/>
+          <a:bodyPr>
+            <a:normAutofit fontScale="62500" lnSpcReduction="20000"/>
+          </a:bodyPr>
+          <a:lstStyle/>
+          <a:p>
+            <a:pPr>
+              <a:lnSpc>
+                <a:spcPct val="170000"/>
+              </a:lnSpc>
+            </a:pPr>
+            <a:r>
+              <a:rPr lang="en-US" dirty="0"/>
+              <a:t>Logical errors are the errors in the output of the program</a:t>
+            </a:r>
+            <a:r>
+              <a:rPr lang="en-US" dirty="0" smtClean="0"/>
+              <a:t>.</a:t>
+            </a:r>
+          </a:p>
+          <a:p>
+            <a:pPr>
+              <a:lnSpc>
+                <a:spcPct val="170000"/>
+              </a:lnSpc>
+            </a:pPr>
+            <a:endParaRPr lang="en-US" dirty="0"/>
+          </a:p>
+          <a:p>
+            <a:pPr>
+              <a:lnSpc>
+                <a:spcPct val="170000"/>
+              </a:lnSpc>
+            </a:pPr>
+            <a:r>
+              <a:rPr lang="en-US" dirty="0"/>
+              <a:t>The presence of logical errors leads to undesired or incorrect output </a:t>
+            </a:r>
+            <a:endParaRPr lang="en-US" dirty="0" smtClean="0"/>
+          </a:p>
+          <a:p>
+            <a:pPr>
+              <a:lnSpc>
+                <a:spcPct val="170000"/>
+              </a:lnSpc>
+            </a:pPr>
+            <a:endParaRPr lang="en-US" dirty="0" smtClean="0"/>
+          </a:p>
+          <a:p>
+            <a:pPr>
+              <a:lnSpc>
+                <a:spcPct val="170000"/>
+              </a:lnSpc>
+            </a:pPr>
+            <a:r>
+              <a:rPr lang="en-US" dirty="0"/>
+              <a:t>A</a:t>
+            </a:r>
+            <a:r>
+              <a:rPr lang="en-US" dirty="0" smtClean="0"/>
+              <a:t>re </a:t>
+            </a:r>
+            <a:r>
+              <a:rPr lang="en-US" dirty="0"/>
+              <a:t>caused due to error in the logic applied in the program to produce the desired output.</a:t>
+            </a:r>
+          </a:p>
+          <a:p>
+            <a:pPr>
+              <a:lnSpc>
+                <a:spcPct val="170000"/>
+              </a:lnSpc>
+            </a:pPr>
+            <a:endParaRPr lang="en-US" dirty="0" smtClean="0"/>
+          </a:p>
+          <a:p>
+            <a:pPr>
+              <a:lnSpc>
+                <a:spcPct val="170000"/>
+              </a:lnSpc>
+            </a:pPr>
+            <a:r>
+              <a:rPr lang="en-US" dirty="0"/>
+              <a:t>logical errors could not be detected by the compiler, and thus, programmers has to check the entire coding of a c program line by line.</a:t>
+            </a:r>
           </a:p>
         </p:txBody>
       </p:sp>
@@ -16016,7 +16016,7 @@
     </p:spTree>
     <p:extLst>
       <p:ext uri="{BB962C8B-B14F-4D97-AF65-F5344CB8AC3E}">
-        <p14:creationId xmlns:p14="http://schemas.microsoft.com/office/powerpoint/2010/main" val="3659299523"/>
+        <p14:creationId xmlns:p14="http://schemas.microsoft.com/office/powerpoint/2010/main" val="385629050"/>
       </p:ext>
     </p:extLst>
   </p:cSld>
@@ -17411,7 +17411,6 @@
               <a:rPr lang="en-US" dirty="0"/>
               <a:t> terminates the calling process immediately. </a:t>
             </a:r>
-            <a:endParaRPr lang="en-US" dirty="0"/>
           </a:p>
           <a:p>
             <a:endParaRPr lang="en-US" dirty="0" smtClean="0"/>
@@ -17422,15 +17421,7 @@
             </a:pPr>
             <a:r>
               <a:rPr lang="en-US" dirty="0"/>
-              <a:t>#include</a:t>
-            </a:r>
-            <a:r>
-              <a:rPr lang="en-US" dirty="0"/>
-              <a:t> </a:t>
-            </a:r>
-            <a:r>
-              <a:rPr lang="en-US" dirty="0"/>
-              <a:t>&lt;</a:t>
+              <a:t>#include &lt;</a:t>
             </a:r>
             <a:r>
               <a:rPr lang="en-US" dirty="0" err="1"/>
@@ -17438,11 +17429,7 @@
             </a:r>
             <a:r>
               <a:rPr lang="en-US" dirty="0"/>
-              <a:t>&gt;</a:t>
-            </a:r>
-            <a:r>
-              <a:rPr lang="en-US" dirty="0"/>
-              <a:t> </a:t>
+              <a:t>&gt; </a:t>
             </a:r>
             <a:endParaRPr lang="en-US" dirty="0" smtClean="0"/>
           </a:p>
@@ -17456,15 +17443,7 @@
             </a:r>
             <a:r>
               <a:rPr lang="en-US" dirty="0"/>
-              <a:t>include</a:t>
-            </a:r>
-            <a:r>
-              <a:rPr lang="en-US" dirty="0"/>
-              <a:t> </a:t>
-            </a:r>
-            <a:r>
-              <a:rPr lang="en-US" dirty="0"/>
-              <a:t>&lt;</a:t>
+              <a:t>include &lt;</a:t>
             </a:r>
             <a:r>
               <a:rPr lang="en-US" dirty="0" err="1"/>
@@ -17472,11 +17451,7 @@
             </a:r>
             <a:r>
               <a:rPr lang="en-US" dirty="0"/>
-              <a:t>&gt;</a:t>
-            </a:r>
-            <a:r>
-              <a:rPr lang="en-US" dirty="0"/>
-              <a:t> </a:t>
+              <a:t>&gt; </a:t>
             </a:r>
             <a:endParaRPr lang="en-US" dirty="0" smtClean="0"/>
           </a:p>
@@ -17494,23 +17469,7 @@
             </a:r>
             <a:r>
               <a:rPr lang="en-US" dirty="0"/>
-              <a:t>main </a:t>
-            </a:r>
-            <a:r>
-              <a:rPr lang="en-US" dirty="0"/>
-              <a:t>()</a:t>
-            </a:r>
-            <a:r>
-              <a:rPr lang="en-US" dirty="0"/>
-              <a:t> </a:t>
-            </a:r>
-            <a:r>
-              <a:rPr lang="en-US" dirty="0"/>
-              <a:t>{</a:t>
-            </a:r>
-            <a:r>
-              <a:rPr lang="en-US" dirty="0"/>
-              <a:t> </a:t>
+              <a:t>main () { </a:t>
             </a:r>
             <a:endParaRPr lang="en-US" dirty="0" smtClean="0"/>
           </a:p>
@@ -17528,11 +17487,7 @@
             </a:r>
             <a:r>
               <a:rPr lang="en-US" dirty="0"/>
-              <a:t>("Start of the program....\n");</a:t>
-            </a:r>
-            <a:r>
-              <a:rPr lang="en-US" dirty="0"/>
-              <a:t> </a:t>
+              <a:t>("Start of the program....\n"); </a:t>
             </a:r>
             <a:r>
               <a:rPr lang="en-US" dirty="0" smtClean="0"/>
@@ -17544,11 +17499,7 @@
             </a:r>
             <a:r>
               <a:rPr lang="en-US" dirty="0"/>
-              <a:t>("Exiting the program....\n");</a:t>
-            </a:r>
-            <a:r>
-              <a:rPr lang="en-US" dirty="0"/>
-              <a:t> </a:t>
+              <a:t>("Exiting the program....\n"); </a:t>
             </a:r>
             <a:endParaRPr lang="en-US" dirty="0" smtClean="0"/>
           </a:p>
@@ -17566,11 +17517,7 @@
             </a:r>
             <a:r>
               <a:rPr lang="en-US" b="1" dirty="0"/>
-              <a:t>);</a:t>
-            </a:r>
-            <a:r>
-              <a:rPr lang="en-US" b="1" dirty="0"/>
-              <a:t> </a:t>
+              <a:t>); </a:t>
             </a:r>
             <a:endParaRPr lang="en-US" b="1" dirty="0" smtClean="0"/>
           </a:p>
@@ -17588,11 +17535,7 @@
             </a:r>
             <a:r>
               <a:rPr lang="en-US" dirty="0"/>
-              <a:t>("End of the program....\n");</a:t>
-            </a:r>
-            <a:r>
-              <a:rPr lang="en-US" dirty="0"/>
-              <a:t> </a:t>
+              <a:t>("End of the program....\n"); </a:t>
             </a:r>
             <a:endParaRPr lang="en-US" dirty="0" smtClean="0"/>
           </a:p>
@@ -17610,11 +17553,7 @@
             </a:r>
             <a:r>
               <a:rPr lang="en-US" dirty="0"/>
-              <a:t>);</a:t>
-            </a:r>
-            <a:r>
-              <a:rPr lang="en-US" dirty="0"/>
-              <a:t> </a:t>
+              <a:t>); </a:t>
             </a:r>
             <a:endParaRPr lang="en-US" dirty="0" smtClean="0"/>
           </a:p>
